--- a/artefatos/15. Arquitetura de Negócio para cada Cenário.pptx
+++ b/artefatos/15. Arquitetura de Negócio para cada Cenário.pptx
@@ -12329,7 +12329,7 @@
         </p:nvSpPr>
         <p:spPr>
           <a:xfrm>
-            <a:off x="3347700" y="2323225"/>
+            <a:off x="3347700" y="2234875"/>
             <a:ext cx="2931600" cy="2586000"/>
           </a:xfrm>
           <a:prstGeom prst="rect">
@@ -12370,7 +12370,7 @@
                 <a:cs typeface="Calibri"/>
                 <a:sym typeface="Calibri"/>
               </a:rPr>
-              <a:t>Levar o equipamento danificado</a:t>
+              <a:t>Receber orçamento</a:t>
             </a:r>
             <a:endParaRPr/>
           </a:p>
@@ -12399,19 +12399,7 @@
                 <a:cs typeface="Calibri"/>
                 <a:sym typeface="Calibri"/>
               </a:rPr>
-              <a:t>Receber o </a:t>
-            </a:r>
-            <a:r>
-              <a:rPr lang="pt-BR" sz="1800">
-                <a:solidFill>
-                  <a:schemeClr val="dk1"/>
-                </a:solidFill>
-                <a:latin typeface="Calibri"/>
-                <a:ea typeface="Calibri"/>
-                <a:cs typeface="Calibri"/>
-                <a:sym typeface="Calibri"/>
-              </a:rPr>
-              <a:t>orçamento</a:t>
+              <a:t>Solicitar Conserto</a:t>
             </a:r>
             <a:endParaRPr sz="1800">
               <a:solidFill>
@@ -12485,7 +12473,7 @@
                 <a:cs typeface="Calibri"/>
                 <a:sym typeface="Calibri"/>
               </a:rPr>
-              <a:t>Acionar garantia</a:t>
+              <a:t>Solicitar Conserto na Garantia</a:t>
             </a:r>
             <a:endParaRPr sz="1800">
               <a:solidFill>
@@ -12624,13 +12612,17 @@
           </a:bodyPr>
           <a:lstStyle/>
           <a:p>
-            <a:pPr indent="0" lvl="0" marL="0" marR="0" rtl="0" algn="ctr">
-              <a:spcBef>
-                <a:spcPts val="0"/>
-              </a:spcBef>
-              <a:spcAft>
-                <a:spcPts val="0"/>
-              </a:spcAft>
+            <a:pPr indent="0" lvl="0" marL="0" rtl="0" algn="ctr">
+              <a:spcBef>
+                <a:spcPts val="0"/>
+              </a:spcBef>
+              <a:spcAft>
+                <a:spcPts val="0"/>
+              </a:spcAft>
+              <a:buClr>
+                <a:schemeClr val="dk1"/>
+              </a:buClr>
+              <a:buFont typeface="Arial"/>
               <a:buNone/>
             </a:pPr>
             <a:r>
@@ -12643,33 +12635,40 @@
                 <a:cs typeface="Calibri"/>
                 <a:sym typeface="Calibri"/>
               </a:rPr>
-              <a:t>Assistência</a:t>
+              <a:t>Manutenção de Computadores</a:t>
             </a:r>
+            <a:endParaRPr sz="1800">
+              <a:solidFill>
+                <a:schemeClr val="dk1"/>
+              </a:solidFill>
+              <a:latin typeface="Calibri"/>
+              <a:ea typeface="Calibri"/>
+              <a:cs typeface="Calibri"/>
+              <a:sym typeface="Calibri"/>
+            </a:endParaRPr>
+          </a:p>
+          <a:p>
+            <a:pPr indent="0" lvl="0" marL="0" marR="0" rtl="0" algn="ctr">
+              <a:spcBef>
+                <a:spcPts val="0"/>
+              </a:spcBef>
+              <a:spcAft>
+                <a:spcPts val="0"/>
+              </a:spcAft>
+              <a:buNone/>
+            </a:pPr>
             <a:r>
-              <a:rPr lang="pt-BR" sz="1800">
-                <a:solidFill>
-                  <a:schemeClr val="dk1"/>
-                </a:solidFill>
-                <a:latin typeface="Calibri"/>
-                <a:ea typeface="Calibri"/>
-                <a:cs typeface="Calibri"/>
-                <a:sym typeface="Calibri"/>
-              </a:rPr>
-              <a:t> </a:t>
+              <a:t/>
             </a:r>
-            <a:r>
-              <a:rPr lang="pt-BR" sz="1800">
-                <a:solidFill>
-                  <a:schemeClr val="dk1"/>
-                </a:solidFill>
-                <a:latin typeface="Calibri"/>
-                <a:ea typeface="Calibri"/>
-                <a:cs typeface="Calibri"/>
-                <a:sym typeface="Calibri"/>
-              </a:rPr>
-              <a:t>técnica</a:t>
-            </a:r>
-            <a:endParaRPr/>
+            <a:endParaRPr sz="1800">
+              <a:solidFill>
+                <a:schemeClr val="dk1"/>
+              </a:solidFill>
+              <a:latin typeface="Calibri"/>
+              <a:ea typeface="Calibri"/>
+              <a:cs typeface="Calibri"/>
+              <a:sym typeface="Calibri"/>
+            </a:endParaRPr>
           </a:p>
         </p:txBody>
       </p:sp>
@@ -12744,7 +12743,11 @@
             </a:pPr>
             <a:r>
               <a:rPr lang="pt-BR"/>
-              <a:t>Cenário: Levar o equipamento danificado  </a:t>
+              <a:t>Cenário: </a:t>
+            </a:r>
+            <a:r>
+              <a:rPr lang="pt-BR"/>
+              <a:t>Receber orçamento</a:t>
             </a:r>
             <a:endParaRPr/>
           </a:p>
@@ -12913,39 +12916,7 @@
                 <a:cs typeface="Calibri"/>
                 <a:sym typeface="Calibri"/>
               </a:rPr>
-              <a:t>Receber o</a:t>
-            </a:r>
-            <a:endParaRPr b="1" sz="1200">
-              <a:solidFill>
-                <a:schemeClr val="lt1"/>
-              </a:solidFill>
-              <a:latin typeface="Calibri"/>
-              <a:ea typeface="Calibri"/>
-              <a:cs typeface="Calibri"/>
-              <a:sym typeface="Calibri"/>
-            </a:endParaRPr>
-          </a:p>
-          <a:p>
-            <a:pPr indent="0" lvl="0" marL="0" marR="0" rtl="0" algn="ctr">
-              <a:spcBef>
-                <a:spcPts val="0"/>
-              </a:spcBef>
-              <a:spcAft>
-                <a:spcPts val="0"/>
-              </a:spcAft>
-              <a:buNone/>
-            </a:pPr>
-            <a:r>
-              <a:rPr b="1" lang="pt-BR" sz="1200">
-                <a:solidFill>
-                  <a:schemeClr val="lt1"/>
-                </a:solidFill>
-                <a:latin typeface="Calibri"/>
-                <a:ea typeface="Calibri"/>
-                <a:cs typeface="Calibri"/>
-                <a:sym typeface="Calibri"/>
-              </a:rPr>
-              <a:t>equipamento</a:t>
+              <a:t>Efetuar o orçamento</a:t>
             </a:r>
             <a:endParaRPr b="1" sz="1200">
               <a:solidFill>
@@ -13056,7 +13027,7 @@
         </p:nvSpPr>
         <p:spPr>
           <a:xfrm>
-            <a:off x="6286517" y="2277716"/>
+            <a:off x="6286517" y="2227241"/>
             <a:ext cx="3610800" cy="2875800"/>
           </a:xfrm>
           <a:prstGeom prst="roundRect">
@@ -13104,7 +13075,7 @@
                 <a:cs typeface="Calibri"/>
                 <a:sym typeface="Calibri"/>
               </a:rPr>
-              <a:t>Assistência técnica</a:t>
+              <a:t>Manutenção de Computadores</a:t>
             </a:r>
             <a:endParaRPr sz="1800">
               <a:solidFill>
@@ -13215,11 +13186,7 @@
             </a:pPr>
             <a:r>
               <a:rPr lang="pt-BR"/>
-              <a:t>Cenário: </a:t>
-            </a:r>
-            <a:r>
-              <a:rPr lang="pt-BR"/>
-              <a:t>Receber o orçamento </a:t>
+              <a:t>Cenário: Solicitar Conserto</a:t>
             </a:r>
             <a:endParaRPr/>
           </a:p>
@@ -13400,19 +13367,7 @@
                 <a:cs typeface="Calibri"/>
                 <a:sym typeface="Calibri"/>
               </a:rPr>
-              <a:t>Efetuar </a:t>
-            </a:r>
-            <a:r>
-              <a:rPr b="1" lang="pt-BR" sz="1200">
-                <a:solidFill>
-                  <a:schemeClr val="lt1"/>
-                </a:solidFill>
-                <a:latin typeface="Calibri"/>
-                <a:ea typeface="Calibri"/>
-                <a:cs typeface="Calibri"/>
-                <a:sym typeface="Calibri"/>
-              </a:rPr>
-              <a:t>o</a:t>
+              <a:t>Realizar</a:t>
             </a:r>
             <a:endParaRPr b="1" sz="1200">
               <a:solidFill>
@@ -13444,7 +13399,7 @@
                 <a:cs typeface="Calibri"/>
                 <a:sym typeface="Calibri"/>
               </a:rPr>
-              <a:t>orçamento</a:t>
+              <a:t>conserto</a:t>
             </a:r>
             <a:endParaRPr b="1" sz="1200">
               <a:solidFill>
@@ -13555,7 +13510,7 @@
         </p:nvSpPr>
         <p:spPr>
           <a:xfrm>
-            <a:off x="6280817" y="2266566"/>
+            <a:off x="6279917" y="2241316"/>
             <a:ext cx="3610800" cy="2875800"/>
           </a:xfrm>
           <a:prstGeom prst="roundRect">
@@ -13603,7 +13558,34 @@
                 <a:cs typeface="Calibri"/>
                 <a:sym typeface="Calibri"/>
               </a:rPr>
-              <a:t>Assistência técnica</a:t>
+              <a:t>Manutenção de Computadores</a:t>
+            </a:r>
+            <a:endParaRPr sz="1800">
+              <a:solidFill>
+                <a:schemeClr val="dk1"/>
+              </a:solidFill>
+              <a:latin typeface="Calibri"/>
+              <a:ea typeface="Calibri"/>
+              <a:cs typeface="Calibri"/>
+              <a:sym typeface="Calibri"/>
+            </a:endParaRPr>
+          </a:p>
+          <a:p>
+            <a:pPr indent="0" lvl="0" marL="0" rtl="0" algn="ctr">
+              <a:spcBef>
+                <a:spcPts val="0"/>
+              </a:spcBef>
+              <a:spcAft>
+                <a:spcPts val="0"/>
+              </a:spcAft>
+              <a:buClr>
+                <a:schemeClr val="dk1"/>
+              </a:buClr>
+              <a:buFont typeface="Arial"/>
+              <a:buNone/>
+            </a:pPr>
+            <a:r>
+              <a:t/>
             </a:r>
             <a:endParaRPr sz="1800">
               <a:solidFill>
@@ -14093,7 +14075,34 @@
                 <a:cs typeface="Calibri"/>
                 <a:sym typeface="Calibri"/>
               </a:rPr>
-              <a:t>Assistência técnica</a:t>
+              <a:t>Manutenção de Computadores</a:t>
+            </a:r>
+            <a:endParaRPr sz="1800">
+              <a:solidFill>
+                <a:schemeClr val="dk1"/>
+              </a:solidFill>
+              <a:latin typeface="Calibri"/>
+              <a:ea typeface="Calibri"/>
+              <a:cs typeface="Calibri"/>
+              <a:sym typeface="Calibri"/>
+            </a:endParaRPr>
+          </a:p>
+          <a:p>
+            <a:pPr indent="0" lvl="0" marL="0" rtl="0" algn="ctr">
+              <a:spcBef>
+                <a:spcPts val="0"/>
+              </a:spcBef>
+              <a:spcAft>
+                <a:spcPts val="0"/>
+              </a:spcAft>
+              <a:buClr>
+                <a:schemeClr val="dk1"/>
+              </a:buClr>
+              <a:buFont typeface="Arial"/>
+              <a:buNone/>
+            </a:pPr>
+            <a:r>
+              <a:t/>
             </a:r>
             <a:endParaRPr sz="1800">
               <a:solidFill>
@@ -14211,7 +14220,7 @@
             </a:r>
             <a:r>
               <a:rPr lang="pt-BR"/>
-              <a:t>Acionar garantia  </a:t>
+              <a:t>Solicitar Conserto na Garantia  </a:t>
             </a:r>
             <a:endParaRPr/>
           </a:p>
@@ -14271,7 +14280,7 @@
                 <a:cs typeface="Calibri"/>
                 <a:sym typeface="Calibri"/>
               </a:rPr>
-              <a:t>Setor de suporte</a:t>
+              <a:t>Setor de atendimento</a:t>
             </a:r>
             <a:endParaRPr sz="2000"/>
           </a:p>
@@ -14491,7 +14500,7 @@
         </p:nvSpPr>
         <p:spPr>
           <a:xfrm>
-            <a:off x="6282767" y="2294466"/>
+            <a:off x="6393317" y="2260241"/>
             <a:ext cx="3610800" cy="2875800"/>
           </a:xfrm>
           <a:prstGeom prst="roundRect">
@@ -14539,7 +14548,34 @@
                 <a:cs typeface="Calibri"/>
                 <a:sym typeface="Calibri"/>
               </a:rPr>
-              <a:t>Assistência técnica</a:t>
+              <a:t>Manutenção de Computadores</a:t>
+            </a:r>
+            <a:endParaRPr sz="1800">
+              <a:solidFill>
+                <a:schemeClr val="dk1"/>
+              </a:solidFill>
+              <a:latin typeface="Calibri"/>
+              <a:ea typeface="Calibri"/>
+              <a:cs typeface="Calibri"/>
+              <a:sym typeface="Calibri"/>
+            </a:endParaRPr>
+          </a:p>
+          <a:p>
+            <a:pPr indent="0" lvl="0" marL="0" rtl="0" algn="ctr">
+              <a:spcBef>
+                <a:spcPts val="0"/>
+              </a:spcBef>
+              <a:spcAft>
+                <a:spcPts val="0"/>
+              </a:spcAft>
+              <a:buClr>
+                <a:schemeClr val="dk1"/>
+              </a:buClr>
+              <a:buFont typeface="Arial"/>
+              <a:buNone/>
+            </a:pPr>
+            <a:r>
+              <a:t/>
             </a:r>
             <a:endParaRPr sz="1800">
               <a:solidFill>
